--- a/Class_Materials/Week_1/Day_3/ISBPM w1d3.pptx
+++ b/Class_Materials/Week_1/Day_3/ISBPM w1d3.pptx
@@ -5,16 +5,17 @@
     <p:sldMasterId id="2147483696" r:id="rId1"/>
   </p:sldMasterIdLst>
   <p:notesMasterIdLst>
-    <p:notesMasterId r:id="rId9"/>
+    <p:notesMasterId r:id="rId10"/>
   </p:notesMasterIdLst>
   <p:sldIdLst>
     <p:sldId id="256" r:id="rId2"/>
-    <p:sldId id="257" r:id="rId3"/>
-    <p:sldId id="258" r:id="rId4"/>
-    <p:sldId id="259" r:id="rId5"/>
-    <p:sldId id="260" r:id="rId6"/>
-    <p:sldId id="262" r:id="rId7"/>
-    <p:sldId id="261" r:id="rId8"/>
+    <p:sldId id="263" r:id="rId3"/>
+    <p:sldId id="264" r:id="rId4"/>
+    <p:sldId id="258" r:id="rId5"/>
+    <p:sldId id="265" r:id="rId6"/>
+    <p:sldId id="266" r:id="rId7"/>
+    <p:sldId id="267" r:id="rId8"/>
+    <p:sldId id="268" r:id="rId9"/>
   </p:sldIdLst>
   <p:sldSz cx="12192000" cy="6858000"/>
   <p:notesSz cx="6858000" cy="9144000"/>
@@ -113,6 +114,11 @@
       </a:defRPr>
     </a:lvl9pPr>
   </p:defaultTextStyle>
+  <p:extLst>
+    <p:ext uri="{EFAFB233-063F-42B5-8137-9DF3F51BA10A}">
+      <p15:sldGuideLst xmlns:p15="http://schemas.microsoft.com/office/powerpoint/2012/main"/>
+    </p:ext>
+  </p:extLst>
 </p:presentation>
 </file>
 
@@ -198,7 +204,7 @@
           <a:p>
             <a:fld id="{BE048F1E-0B01-B04D-9371-15538F615E4A}" type="datetimeFigureOut">
               <a:rPr lang="en-US" smtClean="0"/>
-              <a:t>4/1/23</a:t>
+              <a:t>4/8/2023</a:t>
             </a:fld>
             <a:endParaRPr lang="en-US"/>
           </a:p>
@@ -533,7 +539,7 @@
           <a:p>
             <a:fld id="{10D988CA-5978-2244-BA11-DC1A92DB7F45}" type="slidenum">
               <a:rPr lang="en-US" smtClean="0"/>
-              <a:t>3</a:t>
+              <a:t>4</a:t>
             </a:fld>
             <a:endParaRPr lang="en-US"/>
           </a:p>
@@ -596,7 +602,10 @@
           <a:bodyPr/>
           <a:lstStyle/>
           <a:p>
-            <a:endParaRPr lang="en-US" dirty="0"/>
+            <a:r>
+              <a:rPr lang="en-US" dirty="0"/>
+              <a:t>There are also applications that serve to give access to </a:t>
+            </a:r>
           </a:p>
         </p:txBody>
       </p:sp>
@@ -617,7 +626,7 @@
           <a:p>
             <a:fld id="{10D988CA-5978-2244-BA11-DC1A92DB7F45}" type="slidenum">
               <a:rPr lang="en-US" smtClean="0"/>
-              <a:t>4</a:t>
+              <a:t>8</a:t>
             </a:fld>
             <a:endParaRPr lang="en-US"/>
           </a:p>
@@ -626,223 +635,7 @@
     </p:spTree>
     <p:extLst>
       <p:ext uri="{BB962C8B-B14F-4D97-AF65-F5344CB8AC3E}">
-        <p14:creationId xmlns:p14="http://schemas.microsoft.com/office/powerpoint/2010/main" val="4037581077"/>
-      </p:ext>
-    </p:extLst>
-  </p:cSld>
-  <p:clrMapOvr>
-    <a:masterClrMapping/>
-  </p:clrMapOvr>
-</p:notes>
-</file>
-
-<file path=ppt/notesSlides/notesSlide3.xml><?xml version="1.0" encoding="utf-8"?>
-<p:notes xmlns:a="http://schemas.openxmlformats.org/drawingml/2006/main" xmlns:r="http://schemas.openxmlformats.org/officeDocument/2006/relationships" xmlns:p="http://schemas.openxmlformats.org/presentationml/2006/main">
-  <p:cSld>
-    <p:spTree>
-      <p:nvGrpSpPr>
-        <p:cNvPr id="1" name=""/>
-        <p:cNvGrpSpPr/>
-        <p:nvPr/>
-      </p:nvGrpSpPr>
-      <p:grpSpPr>
-        <a:xfrm>
-          <a:off x="0" y="0"/>
-          <a:ext cx="0" cy="0"/>
-          <a:chOff x="0" y="0"/>
-          <a:chExt cx="0" cy="0"/>
-        </a:xfrm>
-      </p:grpSpPr>
-      <p:sp>
-        <p:nvSpPr>
-          <p:cNvPr id="2" name="Slide Image Placeholder 1"/>
-          <p:cNvSpPr>
-            <a:spLocks noGrp="1" noRot="1" noChangeAspect="1"/>
-          </p:cNvSpPr>
-          <p:nvPr>
-            <p:ph type="sldImg"/>
-          </p:nvPr>
-        </p:nvSpPr>
-        <p:spPr/>
-      </p:sp>
-      <p:sp>
-        <p:nvSpPr>
-          <p:cNvPr id="3" name="Notes Placeholder 2"/>
-          <p:cNvSpPr>
-            <a:spLocks noGrp="1"/>
-          </p:cNvSpPr>
-          <p:nvPr>
-            <p:ph type="body" idx="1"/>
-          </p:nvPr>
-        </p:nvSpPr>
-        <p:spPr/>
-        <p:txBody>
-          <a:bodyPr/>
-          <a:lstStyle/>
-          <a:p>
-            <a:r>
-              <a:rPr lang="en-US" dirty="0"/>
-              <a:t>We will be meeting 3 times a week on Tuesdays, Wednesdays and Thursdays for the next 5 weeks. We’ll begin around 7AM and end around 10AM Eastern time.</a:t>
-            </a:r>
-          </a:p>
-          <a:p>
-            <a:r>
-              <a:rPr lang="en-US" dirty="0"/>
-              <a:t>I will make class materials available in two places: Moodle, and </a:t>
-            </a:r>
-            <a:r>
-              <a:rPr lang="en-US" dirty="0" err="1"/>
-              <a:t>Github</a:t>
-            </a:r>
-            <a:r>
-              <a:rPr lang="en-US" dirty="0"/>
-              <a:t>. </a:t>
-            </a:r>
-            <a:r>
-              <a:rPr lang="en-US" dirty="0" err="1"/>
-              <a:t>Github</a:t>
-            </a:r>
-            <a:r>
-              <a:rPr lang="en-US" dirty="0"/>
-              <a:t> is one of the tools that we’ll be talking about in this class, so if you want to challenge yourself to put some of what we talk to into practice, jump over to </a:t>
-            </a:r>
-            <a:r>
-              <a:rPr lang="en-US" dirty="0" err="1"/>
-              <a:t>github</a:t>
-            </a:r>
-            <a:r>
-              <a:rPr lang="en-US" dirty="0"/>
-              <a:t> where the class materials will also be made available. </a:t>
-            </a:r>
-          </a:p>
-        </p:txBody>
-      </p:sp>
-      <p:sp>
-        <p:nvSpPr>
-          <p:cNvPr id="4" name="Slide Number Placeholder 3"/>
-          <p:cNvSpPr>
-            <a:spLocks noGrp="1"/>
-          </p:cNvSpPr>
-          <p:nvPr>
-            <p:ph type="sldNum" sz="quarter" idx="5"/>
-          </p:nvPr>
-        </p:nvSpPr>
-        <p:spPr/>
-        <p:txBody>
-          <a:bodyPr/>
-          <a:lstStyle/>
-          <a:p>
-            <a:fld id="{10D988CA-5978-2244-BA11-DC1A92DB7F45}" type="slidenum">
-              <a:rPr lang="en-US" smtClean="0"/>
-              <a:t>5</a:t>
-            </a:fld>
-            <a:endParaRPr lang="en-US"/>
-          </a:p>
-        </p:txBody>
-      </p:sp>
-    </p:spTree>
-    <p:extLst>
-      <p:ext uri="{BB962C8B-B14F-4D97-AF65-F5344CB8AC3E}">
-        <p14:creationId xmlns:p14="http://schemas.microsoft.com/office/powerpoint/2010/main" val="2916060585"/>
-      </p:ext>
-    </p:extLst>
-  </p:cSld>
-  <p:clrMapOvr>
-    <a:masterClrMapping/>
-  </p:clrMapOvr>
-</p:notes>
-</file>
-
-<file path=ppt/notesSlides/notesSlide4.xml><?xml version="1.0" encoding="utf-8"?>
-<p:notes xmlns:a="http://schemas.openxmlformats.org/drawingml/2006/main" xmlns:r="http://schemas.openxmlformats.org/officeDocument/2006/relationships" xmlns:p="http://schemas.openxmlformats.org/presentationml/2006/main">
-  <p:cSld>
-    <p:spTree>
-      <p:nvGrpSpPr>
-        <p:cNvPr id="1" name=""/>
-        <p:cNvGrpSpPr/>
-        <p:nvPr/>
-      </p:nvGrpSpPr>
-      <p:grpSpPr>
-        <a:xfrm>
-          <a:off x="0" y="0"/>
-          <a:ext cx="0" cy="0"/>
-          <a:chOff x="0" y="0"/>
-          <a:chExt cx="0" cy="0"/>
-        </a:xfrm>
-      </p:grpSpPr>
-      <p:sp>
-        <p:nvSpPr>
-          <p:cNvPr id="2" name="Slide Image Placeholder 1"/>
-          <p:cNvSpPr>
-            <a:spLocks noGrp="1" noRot="1" noChangeAspect="1"/>
-          </p:cNvSpPr>
-          <p:nvPr>
-            <p:ph type="sldImg"/>
-          </p:nvPr>
-        </p:nvSpPr>
-        <p:spPr/>
-      </p:sp>
-      <p:sp>
-        <p:nvSpPr>
-          <p:cNvPr id="3" name="Notes Placeholder 2"/>
-          <p:cNvSpPr>
-            <a:spLocks noGrp="1"/>
-          </p:cNvSpPr>
-          <p:nvPr>
-            <p:ph type="body" idx="1"/>
-          </p:nvPr>
-        </p:nvSpPr>
-        <p:spPr/>
-        <p:txBody>
-          <a:bodyPr/>
-          <a:lstStyle/>
-          <a:p>
-            <a:r>
-              <a:rPr lang="en-US" dirty="0"/>
-              <a:t>In this class, we’re going to talk about modern technology. How it works, and how we maintain it. We’ll talk about some of the most popular tools you’ll use in this work. You will also have opportunities to be exposed to these tools in this class through presentations, but also though hands-on use for some of these tools if you choose to do so.</a:t>
-            </a:r>
-          </a:p>
-          <a:p>
-            <a:r>
-              <a:rPr lang="en-US" dirty="0"/>
-              <a:t>We’re going to talk about the Software Development Life Cycle (Also called the SDLC) and how this general principal applies to developing and maintaining codebases. Alongside that topic, we will talk about some management techniques which can be used to help apply the principals from the SDLC to your everyday work.</a:t>
-            </a:r>
-          </a:p>
-          <a:p>
-            <a:r>
-              <a:rPr lang="en-US" dirty="0"/>
-              <a:t>Finally, we will talk about some of the standards which apply to these topics, and a few that will apply directly to your work.</a:t>
-            </a:r>
-          </a:p>
-        </p:txBody>
-      </p:sp>
-      <p:sp>
-        <p:nvSpPr>
-          <p:cNvPr id="4" name="Slide Number Placeholder 3"/>
-          <p:cNvSpPr>
-            <a:spLocks noGrp="1"/>
-          </p:cNvSpPr>
-          <p:nvPr>
-            <p:ph type="sldNum" sz="quarter" idx="5"/>
-          </p:nvPr>
-        </p:nvSpPr>
-        <p:spPr/>
-        <p:txBody>
-          <a:bodyPr/>
-          <a:lstStyle/>
-          <a:p>
-            <a:fld id="{10D988CA-5978-2244-BA11-DC1A92DB7F45}" type="slidenum">
-              <a:rPr lang="en-US" smtClean="0"/>
-              <a:t>6</a:t>
-            </a:fld>
-            <a:endParaRPr lang="en-US"/>
-          </a:p>
-        </p:txBody>
-      </p:sp>
-    </p:spTree>
-    <p:extLst>
-      <p:ext uri="{BB962C8B-B14F-4D97-AF65-F5344CB8AC3E}">
-        <p14:creationId xmlns:p14="http://schemas.microsoft.com/office/powerpoint/2010/main" val="3382444529"/>
+        <p14:creationId xmlns:p14="http://schemas.microsoft.com/office/powerpoint/2010/main" val="3951028519"/>
       </p:ext>
     </p:extLst>
   </p:cSld>
@@ -1015,7 +808,7 @@
           <a:p>
             <a:fld id="{1160EA64-D806-43AC-9DF2-F8C432F32B4C}" type="datetimeFigureOut">
               <a:rPr lang="en-US" dirty="0"/>
-              <a:t>4/1/23</a:t>
+              <a:t>4/8/2023</a:t>
             </a:fld>
             <a:endParaRPr lang="en-US" dirty="0"/>
           </a:p>
@@ -1181,7 +974,7 @@
           <a:p>
             <a:fld id="{E9F9C37B-1D36-470B-8223-D6C91242EC14}" type="datetimeFigureOut">
               <a:rPr lang="en-US" dirty="0"/>
-              <a:t>4/1/23</a:t>
+              <a:t>4/8/2023</a:t>
             </a:fld>
             <a:endParaRPr lang="en-US" dirty="0"/>
           </a:p>
@@ -1356,7 +1149,7 @@
           <a:p>
             <a:fld id="{67C6F52A-A82B-47A2-A83A-8C4C91F2D59F}" type="datetimeFigureOut">
               <a:rPr lang="en-US" dirty="0"/>
-              <a:t>4/1/23</a:t>
+              <a:t>4/8/2023</a:t>
             </a:fld>
             <a:endParaRPr lang="en-US" dirty="0"/>
           </a:p>
@@ -1521,7 +1314,7 @@
           <a:p>
             <a:fld id="{F070A7B3-6521-4DCA-87E5-044747A908C1}" type="datetimeFigureOut">
               <a:rPr lang="en-US" dirty="0"/>
-              <a:t>4/1/23</a:t>
+              <a:t>4/8/2023</a:t>
             </a:fld>
             <a:endParaRPr lang="en-US" dirty="0"/>
           </a:p>
@@ -1785,7 +1578,7 @@
           <a:p>
             <a:fld id="{1160EA64-D806-43AC-9DF2-F8C432F32B4C}" type="datetimeFigureOut">
               <a:rPr lang="en-US" dirty="0"/>
-              <a:t>4/1/23</a:t>
+              <a:t>4/8/2023</a:t>
             </a:fld>
             <a:endParaRPr lang="en-US" dirty="0"/>
           </a:p>
@@ -2013,7 +1806,7 @@
           <a:p>
             <a:fld id="{AB134690-1557-4C89-A502-4959FE7FAD70}" type="datetimeFigureOut">
               <a:rPr lang="en-US" dirty="0"/>
-              <a:t>4/1/23</a:t>
+              <a:t>4/8/2023</a:t>
             </a:fld>
             <a:endParaRPr lang="en-US" dirty="0"/>
           </a:p>
@@ -2367,7 +2160,7 @@
           <a:p>
             <a:fld id="{4F7D4976-E339-4826-83B7-FBD03F55ECF8}" type="datetimeFigureOut">
               <a:rPr lang="en-US" dirty="0"/>
-              <a:t>4/1/23</a:t>
+              <a:t>4/8/2023</a:t>
             </a:fld>
             <a:endParaRPr lang="en-US" dirty="0"/>
           </a:p>
@@ -2503,7 +2296,7 @@
           <a:p>
             <a:fld id="{E1037C31-9E7A-4F99-8774-A0E530DE1A42}" type="datetimeFigureOut">
               <a:rPr lang="en-US" dirty="0"/>
-              <a:t>4/1/23</a:t>
+              <a:t>4/8/2023</a:t>
             </a:fld>
             <a:endParaRPr lang="en-US" dirty="0"/>
           </a:p>
@@ -2593,7 +2386,7 @@
           <a:p>
             <a:fld id="{C278504F-A551-4DE0-9316-4DCD1D8CC752}" type="datetimeFigureOut">
               <a:rPr lang="en-US" dirty="0"/>
-              <a:t>4/1/23</a:t>
+              <a:t>4/8/2023</a:t>
             </a:fld>
             <a:endParaRPr lang="en-US" dirty="0"/>
           </a:p>
@@ -2945,7 +2738,7 @@
           <a:p>
             <a:fld id="{D1BE4249-C0D0-4B06-8692-E8BB871AF643}" type="datetimeFigureOut">
               <a:rPr lang="en-US" dirty="0"/>
-              <a:t>4/1/23</a:t>
+              <a:t>4/8/2023</a:t>
             </a:fld>
             <a:endParaRPr lang="en-US" dirty="0"/>
           </a:p>
@@ -3297,7 +3090,7 @@
           <a:p>
             <a:fld id="{042B0DB6-F5C7-45FB-8CF3-31B45F9C2DAC}" type="datetimeFigureOut">
               <a:rPr lang="en-US" dirty="0"/>
-              <a:t>4/1/23</a:t>
+              <a:t>4/8/2023</a:t>
             </a:fld>
             <a:endParaRPr lang="en-US" dirty="0"/>
           </a:p>
@@ -3534,7 +3327,7 @@
           <a:p>
             <a:fld id="{1160EA64-D806-43AC-9DF2-F8C432F32B4C}" type="datetimeFigureOut">
               <a:rPr lang="en-US" dirty="0"/>
-              <a:t>4/1/23</a:t>
+              <a:t>4/8/2023</a:t>
             </a:fld>
             <a:endParaRPr lang="en-US" dirty="0"/>
           </a:p>
@@ -4095,7 +3888,7 @@
           <p:cNvPr id="2" name="Title 1">
             <a:extLst>
               <a:ext uri="{FF2B5EF4-FFF2-40B4-BE49-F238E27FC236}">
-                <a16:creationId xmlns:a16="http://schemas.microsoft.com/office/drawing/2014/main" id="{0EF2D1FA-8FBE-DDD1-9CE2-A3BF76B71FD8}"/>
+                <a16:creationId xmlns:a16="http://schemas.microsoft.com/office/drawing/2014/main" id="{4F68AD2C-B46D-FA8F-1E07-13A75AF50670}"/>
               </a:ext>
             </a:extLst>
           </p:cNvPr>
@@ -4106,108 +3899,68 @@
             <p:ph type="title"/>
           </p:nvPr>
         </p:nvSpPr>
-        <p:spPr/>
-        <p:txBody>
-          <a:bodyPr/>
-          <a:lstStyle/>
-          <a:p>
-            <a:r>
-              <a:rPr lang="en-US" dirty="0"/>
-              <a:t>Who am I?</a:t>
+        <p:spPr>
+          <a:xfrm>
+            <a:off x="8787865" y="2921173"/>
+            <a:ext cx="2745667" cy="1015663"/>
+          </a:xfrm>
+        </p:spPr>
+        <p:txBody>
+          <a:bodyPr vert="horz" lIns="182880" tIns="182880" rIns="182880" bIns="182880" rtlCol="0" anchor="ctr">
+            <a:normAutofit/>
+          </a:bodyPr>
+          <a:lstStyle/>
+          <a:p>
+            <a:r>
+              <a:rPr lang="en-US" sz="2000"/>
+              <a:t>Day 2 recap</a:t>
             </a:r>
           </a:p>
         </p:txBody>
       </p:sp>
       <p:pic>
         <p:nvPicPr>
-          <p:cNvPr id="6" name="Content Placeholder 5" descr="A picture containing person, posing&#10;&#10;Description automatically generated">
+          <p:cNvPr id="7" name="Graphic 6" descr="Checkmark">
             <a:extLst>
               <a:ext uri="{FF2B5EF4-FFF2-40B4-BE49-F238E27FC236}">
-                <a16:creationId xmlns:a16="http://schemas.microsoft.com/office/drawing/2014/main" id="{D20A8991-60BB-A272-911C-C3E723E87317}"/>
+                <a16:creationId xmlns:a16="http://schemas.microsoft.com/office/drawing/2014/main" id="{7DD5BDCA-309E-1234-5D16-20962C9AB1EE}"/>
               </a:ext>
             </a:extLst>
           </p:cNvPr>
           <p:cNvPicPr>
-            <a:picLocks noGrp="1" noChangeAspect="1"/>
+            <a:picLocks noChangeAspect="1"/>
           </p:cNvPicPr>
-          <p:nvPr>
-            <p:ph idx="1"/>
-          </p:nvPr>
+          <p:nvPr/>
         </p:nvPicPr>
         <p:blipFill>
-          <a:blip r:embed="rId2"/>
+          <a:blip r:embed="rId2">
+            <a:extLst>
+              <a:ext uri="{28A0092B-C50C-407E-A947-70E740481C1C}">
+                <a14:useLocalDpi xmlns:a14="http://schemas.microsoft.com/office/drawing/2010/main" val="0"/>
+              </a:ext>
+              <a:ext uri="{96DAC541-7B7A-43D3-8B79-37D633B846F1}">
+                <asvg:svgBlip xmlns:asvg="http://schemas.microsoft.com/office/drawing/2016/SVG/main" r:embed="rId3"/>
+              </a:ext>
+            </a:extLst>
+          </a:blip>
           <a:stretch>
             <a:fillRect/>
           </a:stretch>
         </p:blipFill>
         <p:spPr>
           <a:xfrm>
-            <a:off x="7175897" y="804863"/>
-            <a:ext cx="3936206" cy="5248275"/>
+            <a:off x="1450224" y="640080"/>
+            <a:ext cx="5263134" cy="5263134"/>
           </a:xfrm>
+          <a:prstGeom prst="rect">
+            <a:avLst/>
+          </a:prstGeom>
         </p:spPr>
       </p:pic>
-      <p:sp>
-        <p:nvSpPr>
-          <p:cNvPr id="4" name="Text Placeholder 3">
-            <a:extLst>
-              <a:ext uri="{FF2B5EF4-FFF2-40B4-BE49-F238E27FC236}">
-                <a16:creationId xmlns:a16="http://schemas.microsoft.com/office/drawing/2014/main" id="{05F42EE4-9D9B-10D6-C432-06C486FDC0F5}"/>
-              </a:ext>
-            </a:extLst>
-          </p:cNvPr>
-          <p:cNvSpPr>
-            <a:spLocks noGrp="1"/>
-          </p:cNvSpPr>
-          <p:nvPr>
-            <p:ph type="body" sz="half" idx="2"/>
-          </p:nvPr>
-        </p:nvSpPr>
-        <p:spPr/>
-        <p:txBody>
-          <a:bodyPr/>
-          <a:lstStyle/>
-          <a:p>
-            <a:r>
-              <a:rPr lang="en-US" dirty="0"/>
-              <a:t>Emily </a:t>
-            </a:r>
-            <a:r>
-              <a:rPr lang="en-US" dirty="0" err="1"/>
-              <a:t>Crose</a:t>
-            </a:r>
-            <a:endParaRPr lang="en-US" dirty="0"/>
-          </a:p>
-          <a:p>
-            <a:r>
-              <a:rPr lang="en-US" dirty="0"/>
-              <a:t>Information security professional 13 years</a:t>
-            </a:r>
-          </a:p>
-          <a:p>
-            <a:r>
-              <a:rPr lang="en-US" dirty="0"/>
-              <a:t>Frequent public speaker</a:t>
-            </a:r>
-          </a:p>
-          <a:p>
-            <a:r>
-              <a:rPr lang="en-US" dirty="0"/>
-              <a:t>Formerly US Intelligence Community</a:t>
-            </a:r>
-          </a:p>
-          <a:p>
-            <a:r>
-              <a:rPr lang="en-US" dirty="0"/>
-              <a:t>Current research manager @ Sophos</a:t>
-            </a:r>
-          </a:p>
-        </p:txBody>
-      </p:sp>
     </p:spTree>
     <p:extLst>
       <p:ext uri="{BB962C8B-B14F-4D97-AF65-F5344CB8AC3E}">
-        <p14:creationId xmlns:p14="http://schemas.microsoft.com/office/powerpoint/2010/main" val="1761598059"/>
+        <p14:creationId xmlns:p14="http://schemas.microsoft.com/office/powerpoint/2010/main" val="3013550915"/>
       </p:ext>
     </p:extLst>
   </p:cSld>
@@ -4234,15 +3987,44 @@
           <a:chExt cx="0" cy="0"/>
         </a:xfrm>
       </p:grpSpPr>
-      <p:sp>
-        <p:nvSpPr>
-          <p:cNvPr id="2" name="Title 1">
+      <p:pic>
+        <p:nvPicPr>
+          <p:cNvPr id="6" name="Picture 5" descr="Magnifying glass and question mark">
             <a:extLst>
               <a:ext uri="{FF2B5EF4-FFF2-40B4-BE49-F238E27FC236}">
-                <a16:creationId xmlns:a16="http://schemas.microsoft.com/office/drawing/2014/main" id="{FEDFBF7F-B0EA-9573-548F-B1E51C2E51C9}"/>
+                <a16:creationId xmlns:a16="http://schemas.microsoft.com/office/drawing/2014/main" id="{876371D1-3409-B807-9699-1D276793354D}"/>
               </a:ext>
             </a:extLst>
           </p:cNvPr>
+          <p:cNvPicPr>
+            <a:picLocks noChangeAspect="1"/>
+          </p:cNvPicPr>
+          <p:nvPr/>
+        </p:nvPicPr>
+        <p:blipFill rotWithShape="1">
+          <a:blip r:embed="rId2"/>
+          <a:srcRect/>
+          <a:stretch/>
+        </p:blipFill>
+        <p:spPr>
+          <a:xfrm>
+            <a:off x="20" y="10"/>
+            <a:ext cx="12191980" cy="6857990"/>
+          </a:xfrm>
+          <a:prstGeom prst="rect">
+            <a:avLst/>
+          </a:prstGeom>
+        </p:spPr>
+      </p:pic>
+      <p:sp>
+        <p:nvSpPr>
+          <p:cNvPr id="4" name="Title 3">
+            <a:extLst>
+              <a:ext uri="{FF2B5EF4-FFF2-40B4-BE49-F238E27FC236}">
+                <a16:creationId xmlns:a16="http://schemas.microsoft.com/office/drawing/2014/main" id="{923DA8A7-9417-A4F4-8D95-3F7529A695DE}"/>
+              </a:ext>
+            </a:extLst>
+          </p:cNvPr>
           <p:cNvSpPr>
             <a:spLocks noGrp="1"/>
           </p:cNvSpPr>
@@ -4250,14 +4032,36 @@
             <p:ph type="title"/>
           </p:nvPr>
         </p:nvSpPr>
-        <p:spPr/>
-        <p:txBody>
-          <a:bodyPr/>
-          <a:lstStyle/>
-          <a:p>
-            <a:r>
-              <a:rPr lang="en-US" dirty="0"/>
-              <a:t>What about you?</a:t>
+        <p:spPr>
+          <a:xfrm>
+            <a:off x="834511" y="975039"/>
+            <a:ext cx="2286000" cy="2286000"/>
+          </a:xfrm>
+          <a:prstGeom prst="flowChartDocument">
+            <a:avLst/>
+          </a:prstGeom>
+          <a:solidFill>
+            <a:srgbClr val="000000">
+              <a:alpha val="75000"/>
+            </a:srgbClr>
+          </a:solidFill>
+          <a:ln>
+            <a:noFill/>
+          </a:ln>
+        </p:spPr>
+        <p:txBody>
+          <a:bodyPr>
+            <a:normAutofit/>
+          </a:bodyPr>
+          <a:lstStyle/>
+          <a:p>
+            <a:r>
+              <a:rPr lang="en-US" sz="1400">
+                <a:solidFill>
+                  <a:srgbClr val="FFFFFF"/>
+                </a:solidFill>
+              </a:rPr>
+              <a:t>Question or clarifications?</a:t>
             </a:r>
           </a:p>
         </p:txBody>
@@ -4265,7 +4069,7 @@
     </p:spTree>
     <p:extLst>
       <p:ext uri="{BB962C8B-B14F-4D97-AF65-F5344CB8AC3E}">
-        <p14:creationId xmlns:p14="http://schemas.microsoft.com/office/powerpoint/2010/main" val="1617985472"/>
+        <p14:creationId xmlns:p14="http://schemas.microsoft.com/office/powerpoint/2010/main" val="370590328"/>
       </p:ext>
     </p:extLst>
   </p:cSld>
@@ -4297,7 +4101,7 @@
           <p:cNvPr id="2" name="Title 1">
             <a:extLst>
               <a:ext uri="{FF2B5EF4-FFF2-40B4-BE49-F238E27FC236}">
-                <a16:creationId xmlns:a16="http://schemas.microsoft.com/office/drawing/2014/main" id="{3F1D36D9-8061-A76F-9C7E-656F3AF7D160}"/>
+                <a16:creationId xmlns:a16="http://schemas.microsoft.com/office/drawing/2014/main" id="{FEDFBF7F-B0EA-9573-548F-B1E51C2E51C9}"/>
               </a:ext>
             </a:extLst>
           </p:cNvPr>
@@ -4315,59 +4119,7 @@
           <a:p>
             <a:r>
               <a:rPr lang="en-US" dirty="0"/>
-              <a:t>Course overview</a:t>
-            </a:r>
-          </a:p>
-        </p:txBody>
-      </p:sp>
-      <p:sp>
-        <p:nvSpPr>
-          <p:cNvPr id="3" name="Text Placeholder 2">
-            <a:extLst>
-              <a:ext uri="{FF2B5EF4-FFF2-40B4-BE49-F238E27FC236}">
-                <a16:creationId xmlns:a16="http://schemas.microsoft.com/office/drawing/2014/main" id="{4D303026-64D5-F2D6-24E0-D4D990707790}"/>
-              </a:ext>
-            </a:extLst>
-          </p:cNvPr>
-          <p:cNvSpPr>
-            <a:spLocks noGrp="1"/>
-          </p:cNvSpPr>
-          <p:nvPr>
-            <p:ph type="body" idx="1"/>
-          </p:nvPr>
-        </p:nvSpPr>
-        <p:spPr/>
-        <p:txBody>
-          <a:bodyPr/>
-          <a:lstStyle/>
-          <a:p>
-            <a:pPr marL="342900" indent="-342900">
-              <a:buFont typeface="Arial" panose="020B0604020202020204" pitchFamily="34" charset="0"/>
-              <a:buChar char="•"/>
-            </a:pPr>
-            <a:r>
-              <a:rPr lang="en-US" dirty="0"/>
-              <a:t>Basic operations of this course</a:t>
-            </a:r>
-          </a:p>
-          <a:p>
-            <a:pPr marL="342900" indent="-342900">
-              <a:buFont typeface="Arial" panose="020B0604020202020204" pitchFamily="34" charset="0"/>
-              <a:buChar char="•"/>
-            </a:pPr>
-            <a:r>
-              <a:rPr lang="en-US" dirty="0"/>
-              <a:t>What will we be talking about in this course?</a:t>
-            </a:r>
-          </a:p>
-          <a:p>
-            <a:pPr marL="342900" indent="-342900">
-              <a:buFont typeface="Arial" panose="020B0604020202020204" pitchFamily="34" charset="0"/>
-              <a:buChar char="•"/>
-            </a:pPr>
-            <a:r>
-              <a:rPr lang="en-US" dirty="0"/>
-              <a:t>What do you want to learn?</a:t>
+              <a:t>Operating systems vs applications</a:t>
             </a:r>
           </a:p>
         </p:txBody>
@@ -4375,7 +4127,7 @@
     </p:spTree>
     <p:extLst>
       <p:ext uri="{BB962C8B-B14F-4D97-AF65-F5344CB8AC3E}">
-        <p14:creationId xmlns:p14="http://schemas.microsoft.com/office/powerpoint/2010/main" val="3174824230"/>
+        <p14:creationId xmlns:p14="http://schemas.microsoft.com/office/powerpoint/2010/main" val="1617985472"/>
       </p:ext>
     </p:extLst>
   </p:cSld>
@@ -4407,7 +4159,7 @@
           <p:cNvPr id="2" name="Title 1">
             <a:extLst>
               <a:ext uri="{FF2B5EF4-FFF2-40B4-BE49-F238E27FC236}">
-                <a16:creationId xmlns:a16="http://schemas.microsoft.com/office/drawing/2014/main" id="{47C02755-C398-CFC6-5C7D-E2CA582D51DE}"/>
+                <a16:creationId xmlns:a16="http://schemas.microsoft.com/office/drawing/2014/main" id="{387556D4-EB97-BC07-A400-6F5045EBF3FB}"/>
               </a:ext>
             </a:extLst>
           </p:cNvPr>
@@ -4425,7 +4177,7 @@
           <a:p>
             <a:r>
               <a:rPr lang="en-US" dirty="0"/>
-              <a:t>Basic Course Operation</a:t>
+              <a:t>Operating systems</a:t>
             </a:r>
           </a:p>
         </p:txBody>
@@ -4435,7 +4187,7 @@
           <p:cNvPr id="3" name="Content Placeholder 2">
             <a:extLst>
               <a:ext uri="{FF2B5EF4-FFF2-40B4-BE49-F238E27FC236}">
-                <a16:creationId xmlns:a16="http://schemas.microsoft.com/office/drawing/2014/main" id="{C01E1BEF-D0F1-8F4F-B1A2-7ABD15C03959}"/>
+                <a16:creationId xmlns:a16="http://schemas.microsoft.com/office/drawing/2014/main" id="{100ADCC2-6799-F5FB-BE96-CC8B58E09D8E}"/>
               </a:ext>
             </a:extLst>
           </p:cNvPr>
@@ -4451,44 +4203,14 @@
           <a:bodyPr/>
           <a:lstStyle/>
           <a:p>
-            <a:r>
-              <a:rPr lang="en-US" dirty="0"/>
-              <a:t>Meet three times/week for 5 weeks</a:t>
-            </a:r>
-          </a:p>
-          <a:p>
-            <a:pPr lvl="1"/>
-            <a:r>
-              <a:rPr lang="en-US" dirty="0"/>
-              <a:t>Tuesdays, Wednesdays &amp; Thursdays</a:t>
-            </a:r>
-          </a:p>
-          <a:p>
-            <a:pPr lvl="2"/>
-            <a:r>
-              <a:rPr lang="en-US" dirty="0"/>
-              <a:t>7AM Eastern – 10AM Eastern</a:t>
-            </a:r>
-          </a:p>
-          <a:p>
-            <a:r>
-              <a:rPr lang="en-US" dirty="0"/>
-              <a:t>Moodle</a:t>
-            </a:r>
-          </a:p>
-          <a:p>
-            <a:r>
-              <a:rPr lang="en-US" dirty="0" err="1"/>
-              <a:t>Github</a:t>
-            </a:r>
-            <a:endParaRPr lang="en-US" dirty="0"/>
+            <a:endParaRPr lang="en-US"/>
           </a:p>
         </p:txBody>
       </p:sp>
     </p:spTree>
     <p:extLst>
       <p:ext uri="{BB962C8B-B14F-4D97-AF65-F5344CB8AC3E}">
-        <p14:creationId xmlns:p14="http://schemas.microsoft.com/office/powerpoint/2010/main" val="3090871246"/>
+        <p14:creationId xmlns:p14="http://schemas.microsoft.com/office/powerpoint/2010/main" val="3097047458"/>
       </p:ext>
     </p:extLst>
   </p:cSld>
@@ -4520,7 +4242,7 @@
           <p:cNvPr id="2" name="Title 1">
             <a:extLst>
               <a:ext uri="{FF2B5EF4-FFF2-40B4-BE49-F238E27FC236}">
-                <a16:creationId xmlns:a16="http://schemas.microsoft.com/office/drawing/2014/main" id="{98EA1018-D5C6-C805-6957-501C6EC4188E}"/>
+                <a16:creationId xmlns:a16="http://schemas.microsoft.com/office/drawing/2014/main" id="{8453C70C-D507-9421-0B22-893611559B6A}"/>
               </a:ext>
             </a:extLst>
           </p:cNvPr>
@@ -4538,7 +4260,7 @@
           <a:p>
             <a:r>
               <a:rPr lang="en-US" dirty="0"/>
-              <a:t>Course material</a:t>
+              <a:t>Applications</a:t>
             </a:r>
           </a:p>
         </p:txBody>
@@ -4548,7 +4270,7 @@
           <p:cNvPr id="3" name="Content Placeholder 2">
             <a:extLst>
               <a:ext uri="{FF2B5EF4-FFF2-40B4-BE49-F238E27FC236}">
-                <a16:creationId xmlns:a16="http://schemas.microsoft.com/office/drawing/2014/main" id="{042E306C-6196-E329-64C7-AC3D7B34F50E}"/>
+                <a16:creationId xmlns:a16="http://schemas.microsoft.com/office/drawing/2014/main" id="{EC91951E-2F0D-AA8A-423A-653253199D74}"/>
               </a:ext>
             </a:extLst>
           </p:cNvPr>
@@ -4561,60 +4283,17 @@
         </p:nvSpPr>
         <p:spPr/>
         <p:txBody>
-          <a:bodyPr>
-            <a:normAutofit/>
-          </a:bodyPr>
-          <a:lstStyle/>
-          <a:p>
-            <a:r>
-              <a:rPr lang="en-US" dirty="0"/>
-              <a:t>Understanding modern technology fundamentals</a:t>
-            </a:r>
-          </a:p>
-          <a:p>
-            <a:pPr lvl="1"/>
-            <a:r>
-              <a:rPr lang="en-US" dirty="0"/>
-              <a:t>How it works</a:t>
-            </a:r>
-          </a:p>
-          <a:p>
-            <a:pPr lvl="1"/>
-            <a:r>
-              <a:rPr lang="en-US" dirty="0"/>
-              <a:t>How it is maintained</a:t>
-            </a:r>
-          </a:p>
-          <a:p>
-            <a:r>
-              <a:rPr lang="en-US" dirty="0"/>
-              <a:t>The Software Development Life Cycle (SDLC)</a:t>
-            </a:r>
-          </a:p>
-          <a:p>
-            <a:r>
-              <a:rPr lang="en-US" dirty="0"/>
-              <a:t>Tools for managing software development</a:t>
-            </a:r>
-          </a:p>
-          <a:p>
-            <a:r>
-              <a:rPr lang="en-US" dirty="0"/>
-              <a:t>Management techniques for maintaining codebases</a:t>
-            </a:r>
-          </a:p>
-          <a:p>
-            <a:r>
-              <a:rPr lang="en-US" dirty="0"/>
-              <a:t>Standards that apply to these topics</a:t>
-            </a:r>
+          <a:bodyPr/>
+          <a:lstStyle/>
+          <a:p>
+            <a:endParaRPr lang="en-US"/>
           </a:p>
         </p:txBody>
       </p:sp>
     </p:spTree>
     <p:extLst>
       <p:ext uri="{BB962C8B-B14F-4D97-AF65-F5344CB8AC3E}">
-        <p14:creationId xmlns:p14="http://schemas.microsoft.com/office/powerpoint/2010/main" val="3277899237"/>
+        <p14:creationId xmlns:p14="http://schemas.microsoft.com/office/powerpoint/2010/main" val="2973934259"/>
       </p:ext>
     </p:extLst>
   </p:cSld>
@@ -4646,7 +4325,7 @@
           <p:cNvPr id="2" name="Title 1">
             <a:extLst>
               <a:ext uri="{FF2B5EF4-FFF2-40B4-BE49-F238E27FC236}">
-                <a16:creationId xmlns:a16="http://schemas.microsoft.com/office/drawing/2014/main" id="{34A9503B-317E-A739-9B43-8ABB222A24F8}"/>
+                <a16:creationId xmlns:a16="http://schemas.microsoft.com/office/drawing/2014/main" id="{101F6E27-3120-5F9B-64CB-17F4B2CAE047}"/>
               </a:ext>
             </a:extLst>
           </p:cNvPr>
@@ -4664,17 +4343,17 @@
           <a:p>
             <a:r>
               <a:rPr lang="en-US" dirty="0"/>
-              <a:t>Hardware vs software</a:t>
-            </a:r>
-          </a:p>
-        </p:txBody>
-      </p:sp>
-      <p:sp>
-        <p:nvSpPr>
-          <p:cNvPr id="3" name="Text Placeholder 2">
+              <a:t>Types of applications</a:t>
+            </a:r>
+          </a:p>
+        </p:txBody>
+      </p:sp>
+      <p:sp>
+        <p:nvSpPr>
+          <p:cNvPr id="3" name="Content Placeholder 2">
             <a:extLst>
               <a:ext uri="{FF2B5EF4-FFF2-40B4-BE49-F238E27FC236}">
-                <a16:creationId xmlns:a16="http://schemas.microsoft.com/office/drawing/2014/main" id="{C4D4278B-5396-B3B7-6123-1625F26B2AE9}"/>
+                <a16:creationId xmlns:a16="http://schemas.microsoft.com/office/drawing/2014/main" id="{4FC09B11-92D9-AA04-EE07-AB36C82DCC1F}"/>
               </a:ext>
             </a:extLst>
           </p:cNvPr>
@@ -4682,22 +4361,126 @@
             <a:spLocks noGrp="1"/>
           </p:cNvSpPr>
           <p:nvPr>
-            <p:ph type="body" idx="1"/>
-          </p:nvPr>
-        </p:nvSpPr>
-        <p:spPr/>
-        <p:txBody>
-          <a:bodyPr/>
-          <a:lstStyle/>
-          <a:p>
-            <a:endParaRPr lang="en-US"/>
+            <p:ph idx="1"/>
+          </p:nvPr>
+        </p:nvSpPr>
+        <p:spPr/>
+        <p:txBody>
+          <a:bodyPr/>
+          <a:lstStyle/>
+          <a:p>
+            <a:r>
+              <a:rPr lang="en-US" dirty="0"/>
+              <a:t>Mobile applications</a:t>
+            </a:r>
+          </a:p>
+          <a:p>
+            <a:r>
+              <a:rPr lang="en-US" dirty="0"/>
+              <a:t>Desktop applications</a:t>
+            </a:r>
+          </a:p>
+          <a:p>
+            <a:r>
+              <a:rPr lang="en-US" dirty="0"/>
+              <a:t>Embedded applications</a:t>
+            </a:r>
+          </a:p>
+          <a:p>
+            <a:r>
+              <a:rPr lang="en-US" dirty="0"/>
+              <a:t>Web applications</a:t>
+            </a:r>
           </a:p>
         </p:txBody>
       </p:sp>
     </p:spTree>
     <p:extLst>
       <p:ext uri="{BB962C8B-B14F-4D97-AF65-F5344CB8AC3E}">
-        <p14:creationId xmlns:p14="http://schemas.microsoft.com/office/powerpoint/2010/main" val="411945629"/>
+        <p14:creationId xmlns:p14="http://schemas.microsoft.com/office/powerpoint/2010/main" val="1523269679"/>
+      </p:ext>
+    </p:extLst>
+  </p:cSld>
+  <p:clrMapOvr>
+    <a:masterClrMapping/>
+  </p:clrMapOvr>
+</p:sld>
+</file>
+
+<file path=ppt/slides/slide8.xml><?xml version="1.0" encoding="utf-8"?>
+<p:sld xmlns:a="http://schemas.openxmlformats.org/drawingml/2006/main" xmlns:r="http://schemas.openxmlformats.org/officeDocument/2006/relationships" xmlns:p="http://schemas.openxmlformats.org/presentationml/2006/main">
+  <p:cSld>
+    <p:spTree>
+      <p:nvGrpSpPr>
+        <p:cNvPr id="1" name=""/>
+        <p:cNvGrpSpPr/>
+        <p:nvPr/>
+      </p:nvGrpSpPr>
+      <p:grpSpPr>
+        <a:xfrm>
+          <a:off x="0" y="0"/>
+          <a:ext cx="0" cy="0"/>
+          <a:chOff x="0" y="0"/>
+          <a:chExt cx="0" cy="0"/>
+        </a:xfrm>
+      </p:grpSpPr>
+      <p:sp>
+        <p:nvSpPr>
+          <p:cNvPr id="2" name="Title 1">
+            <a:extLst>
+              <a:ext uri="{FF2B5EF4-FFF2-40B4-BE49-F238E27FC236}">
+                <a16:creationId xmlns:a16="http://schemas.microsoft.com/office/drawing/2014/main" id="{6B475545-C693-0AB5-D209-67C529BDD4C3}"/>
+              </a:ext>
+            </a:extLst>
+          </p:cNvPr>
+          <p:cNvSpPr>
+            <a:spLocks noGrp="1"/>
+          </p:cNvSpPr>
+          <p:nvPr>
+            <p:ph type="title"/>
+          </p:nvPr>
+        </p:nvSpPr>
+        <p:spPr/>
+        <p:txBody>
+          <a:bodyPr/>
+          <a:lstStyle/>
+          <a:p>
+            <a:r>
+              <a:rPr lang="en-US" dirty="0"/>
+              <a:t>“thin” client vs “thick” client</a:t>
+            </a:r>
+          </a:p>
+        </p:txBody>
+      </p:sp>
+      <p:sp>
+        <p:nvSpPr>
+          <p:cNvPr id="3" name="Content Placeholder 2">
+            <a:extLst>
+              <a:ext uri="{FF2B5EF4-FFF2-40B4-BE49-F238E27FC236}">
+                <a16:creationId xmlns:a16="http://schemas.microsoft.com/office/drawing/2014/main" id="{D77B8B31-97E0-9A7D-D08A-6ACDDF58D20C}"/>
+              </a:ext>
+            </a:extLst>
+          </p:cNvPr>
+          <p:cNvSpPr>
+            <a:spLocks noGrp="1"/>
+          </p:cNvSpPr>
+          <p:nvPr>
+            <p:ph idx="1"/>
+          </p:nvPr>
+        </p:nvSpPr>
+        <p:spPr/>
+        <p:txBody>
+          <a:bodyPr/>
+          <a:lstStyle/>
+          <a:p>
+            <a:endParaRPr lang="en-US" dirty="0"/>
+          </a:p>
+        </p:txBody>
+      </p:sp>
+    </p:spTree>
+    <p:extLst>
+      <p:ext uri="{BB962C8B-B14F-4D97-AF65-F5344CB8AC3E}">
+        <p14:creationId xmlns:p14="http://schemas.microsoft.com/office/powerpoint/2010/main" val="2180029723"/>
       </p:ext>
     </p:extLst>
   </p:cSld>

--- a/Class_Materials/Week_1/Day_3/ISBPM w1d3.pptx
+++ b/Class_Materials/Week_1/Day_3/ISBPM w1d3.pptx
@@ -5,7 +5,7 @@
     <p:sldMasterId id="2147483696" r:id="rId1"/>
   </p:sldMasterIdLst>
   <p:notesMasterIdLst>
-    <p:notesMasterId r:id="rId10"/>
+    <p:notesMasterId r:id="rId20"/>
   </p:notesMasterIdLst>
   <p:sldIdLst>
     <p:sldId id="256" r:id="rId2"/>
@@ -15,7 +15,17 @@
     <p:sldId id="265" r:id="rId6"/>
     <p:sldId id="266" r:id="rId7"/>
     <p:sldId id="267" r:id="rId8"/>
-    <p:sldId id="268" r:id="rId9"/>
+    <p:sldId id="269" r:id="rId9"/>
+    <p:sldId id="270" r:id="rId10"/>
+    <p:sldId id="271" r:id="rId11"/>
+    <p:sldId id="272" r:id="rId12"/>
+    <p:sldId id="268" r:id="rId13"/>
+    <p:sldId id="273" r:id="rId14"/>
+    <p:sldId id="274" r:id="rId15"/>
+    <p:sldId id="275" r:id="rId16"/>
+    <p:sldId id="276" r:id="rId17"/>
+    <p:sldId id="277" r:id="rId18"/>
+    <p:sldId id="278" r:id="rId19"/>
   </p:sldIdLst>
   <p:sldSz cx="12192000" cy="6858000"/>
   <p:notesSz cx="6858000" cy="9144000"/>
@@ -626,7 +636,7 @@
           <a:p>
             <a:fld id="{10D988CA-5978-2244-BA11-DC1A92DB7F45}" type="slidenum">
               <a:rPr lang="en-US" smtClean="0"/>
-              <a:t>8</a:t>
+              <a:t>12</a:t>
             </a:fld>
             <a:endParaRPr lang="en-US"/>
           </a:p>
@@ -636,6 +646,180 @@
     <p:extLst>
       <p:ext uri="{BB962C8B-B14F-4D97-AF65-F5344CB8AC3E}">
         <p14:creationId xmlns:p14="http://schemas.microsoft.com/office/powerpoint/2010/main" val="3951028519"/>
+      </p:ext>
+    </p:extLst>
+  </p:cSld>
+  <p:clrMapOvr>
+    <a:masterClrMapping/>
+  </p:clrMapOvr>
+</p:notes>
+</file>
+
+<file path=ppt/notesSlides/notesSlide3.xml><?xml version="1.0" encoding="utf-8"?>
+<p:notes xmlns:a="http://schemas.openxmlformats.org/drawingml/2006/main" xmlns:r="http://schemas.openxmlformats.org/officeDocument/2006/relationships" xmlns:p="http://schemas.openxmlformats.org/presentationml/2006/main">
+  <p:cSld>
+    <p:spTree>
+      <p:nvGrpSpPr>
+        <p:cNvPr id="1" name=""/>
+        <p:cNvGrpSpPr/>
+        <p:nvPr/>
+      </p:nvGrpSpPr>
+      <p:grpSpPr>
+        <a:xfrm>
+          <a:off x="0" y="0"/>
+          <a:ext cx="0" cy="0"/>
+          <a:chOff x="0" y="0"/>
+          <a:chExt cx="0" cy="0"/>
+        </a:xfrm>
+      </p:grpSpPr>
+      <p:sp>
+        <p:nvSpPr>
+          <p:cNvPr id="2" name="Slide Image Placeholder 1"/>
+          <p:cNvSpPr>
+            <a:spLocks noGrp="1" noRot="1" noChangeAspect="1"/>
+          </p:cNvSpPr>
+          <p:nvPr>
+            <p:ph type="sldImg"/>
+          </p:nvPr>
+        </p:nvSpPr>
+        <p:spPr/>
+      </p:sp>
+      <p:sp>
+        <p:nvSpPr>
+          <p:cNvPr id="3" name="Notes Placeholder 2"/>
+          <p:cNvSpPr>
+            <a:spLocks noGrp="1"/>
+          </p:cNvSpPr>
+          <p:nvPr>
+            <p:ph type="body" idx="1"/>
+          </p:nvPr>
+        </p:nvSpPr>
+        <p:spPr/>
+        <p:txBody>
+          <a:bodyPr/>
+          <a:lstStyle/>
+          <a:p>
+            <a:r>
+              <a:rPr lang="en-US" dirty="0"/>
+              <a:t>Over the last couple of days, we’ve talked a lot about the types of software we may interact with in our lives. We now have a sense of scale of how large of a project it is to build an app, so the question for us becomes; how do we approach this project with as much organization as possible? That’s where the software development life cycle comes into play</a:t>
+            </a:r>
+          </a:p>
+        </p:txBody>
+      </p:sp>
+      <p:sp>
+        <p:nvSpPr>
+          <p:cNvPr id="4" name="Slide Number Placeholder 3"/>
+          <p:cNvSpPr>
+            <a:spLocks noGrp="1"/>
+          </p:cNvSpPr>
+          <p:nvPr>
+            <p:ph type="sldNum" sz="quarter" idx="5"/>
+          </p:nvPr>
+        </p:nvSpPr>
+        <p:spPr/>
+        <p:txBody>
+          <a:bodyPr/>
+          <a:lstStyle/>
+          <a:p>
+            <a:fld id="{10D988CA-5978-2244-BA11-DC1A92DB7F45}" type="slidenum">
+              <a:rPr lang="en-US" smtClean="0"/>
+              <a:t>16</a:t>
+            </a:fld>
+            <a:endParaRPr lang="en-US"/>
+          </a:p>
+        </p:txBody>
+      </p:sp>
+    </p:spTree>
+    <p:extLst>
+      <p:ext uri="{BB962C8B-B14F-4D97-AF65-F5344CB8AC3E}">
+        <p14:creationId xmlns:p14="http://schemas.microsoft.com/office/powerpoint/2010/main" val="2000501755"/>
+      </p:ext>
+    </p:extLst>
+  </p:cSld>
+  <p:clrMapOvr>
+    <a:masterClrMapping/>
+  </p:clrMapOvr>
+</p:notes>
+</file>
+
+<file path=ppt/notesSlides/notesSlide4.xml><?xml version="1.0" encoding="utf-8"?>
+<p:notes xmlns:a="http://schemas.openxmlformats.org/drawingml/2006/main" xmlns:r="http://schemas.openxmlformats.org/officeDocument/2006/relationships" xmlns:p="http://schemas.openxmlformats.org/presentationml/2006/main">
+  <p:cSld>
+    <p:spTree>
+      <p:nvGrpSpPr>
+        <p:cNvPr id="1" name=""/>
+        <p:cNvGrpSpPr/>
+        <p:nvPr/>
+      </p:nvGrpSpPr>
+      <p:grpSpPr>
+        <a:xfrm>
+          <a:off x="0" y="0"/>
+          <a:ext cx="0" cy="0"/>
+          <a:chOff x="0" y="0"/>
+          <a:chExt cx="0" cy="0"/>
+        </a:xfrm>
+      </p:grpSpPr>
+      <p:sp>
+        <p:nvSpPr>
+          <p:cNvPr id="2" name="Slide Image Placeholder 1"/>
+          <p:cNvSpPr>
+            <a:spLocks noGrp="1" noRot="1" noChangeAspect="1"/>
+          </p:cNvSpPr>
+          <p:nvPr>
+            <p:ph type="sldImg"/>
+          </p:nvPr>
+        </p:nvSpPr>
+        <p:spPr/>
+      </p:sp>
+      <p:sp>
+        <p:nvSpPr>
+          <p:cNvPr id="3" name="Notes Placeholder 2"/>
+          <p:cNvSpPr>
+            <a:spLocks noGrp="1"/>
+          </p:cNvSpPr>
+          <p:nvPr>
+            <p:ph type="body" idx="1"/>
+          </p:nvPr>
+        </p:nvSpPr>
+        <p:spPr/>
+        <p:txBody>
+          <a:bodyPr/>
+          <a:lstStyle/>
+          <a:p>
+            <a:r>
+              <a:rPr lang="en-US" dirty="0"/>
+              <a:t>This is a simple example of the SDLC. Typically, representations of the SDLC will have around 6 steps, but the steps will generally match what you see here. </a:t>
+            </a:r>
+          </a:p>
+        </p:txBody>
+      </p:sp>
+      <p:sp>
+        <p:nvSpPr>
+          <p:cNvPr id="4" name="Slide Number Placeholder 3"/>
+          <p:cNvSpPr>
+            <a:spLocks noGrp="1"/>
+          </p:cNvSpPr>
+          <p:nvPr>
+            <p:ph type="sldNum" sz="quarter" idx="5"/>
+          </p:nvPr>
+        </p:nvSpPr>
+        <p:spPr/>
+        <p:txBody>
+          <a:bodyPr/>
+          <a:lstStyle/>
+          <a:p>
+            <a:fld id="{10D988CA-5978-2244-BA11-DC1A92DB7F45}" type="slidenum">
+              <a:rPr lang="en-US" smtClean="0"/>
+              <a:t>18</a:t>
+            </a:fld>
+            <a:endParaRPr lang="en-US"/>
+          </a:p>
+        </p:txBody>
+      </p:sp>
+    </p:spTree>
+    <p:extLst>
+      <p:ext uri="{BB962C8B-B14F-4D97-AF65-F5344CB8AC3E}">
+        <p14:creationId xmlns:p14="http://schemas.microsoft.com/office/powerpoint/2010/main" val="2071879139"/>
       </p:ext>
     </p:extLst>
   </p:cSld>
@@ -3822,12 +4006,23 @@
             <p:ph type="subTitle" idx="1"/>
           </p:nvPr>
         </p:nvSpPr>
-        <p:spPr/>
+        <p:spPr>
+          <a:xfrm>
+            <a:off x="2969702" y="4352543"/>
+            <a:ext cx="6527103" cy="1804975"/>
+          </a:xfrm>
+        </p:spPr>
         <p:txBody>
           <a:bodyPr>
-            <a:normAutofit lnSpcReduction="10000"/>
+            <a:normAutofit/>
           </a:bodyPr>
           <a:lstStyle/>
+          <a:p>
+            <a:r>
+              <a:rPr lang="en-US" dirty="0"/>
+              <a:t>W1D3</a:t>
+            </a:r>
+          </a:p>
           <a:p>
             <a:r>
               <a:rPr lang="en-US" dirty="0"/>
@@ -3862,6 +4057,738 @@
   </p:cSld>
   <p:clrMapOvr>
     <a:masterClrMapping/>
+  </p:clrMapOvr>
+</p:sld>
+</file>
+
+<file path=ppt/slides/slide10.xml><?xml version="1.0" encoding="utf-8"?>
+<p:sld xmlns:a="http://schemas.openxmlformats.org/drawingml/2006/main" xmlns:r="http://schemas.openxmlformats.org/officeDocument/2006/relationships" xmlns:p="http://schemas.openxmlformats.org/presentationml/2006/main">
+  <p:cSld>
+    <p:spTree>
+      <p:nvGrpSpPr>
+        <p:cNvPr id="1" name=""/>
+        <p:cNvGrpSpPr/>
+        <p:nvPr/>
+      </p:nvGrpSpPr>
+      <p:grpSpPr>
+        <a:xfrm>
+          <a:off x="0" y="0"/>
+          <a:ext cx="0" cy="0"/>
+          <a:chOff x="0" y="0"/>
+          <a:chExt cx="0" cy="0"/>
+        </a:xfrm>
+      </p:grpSpPr>
+      <p:sp>
+        <p:nvSpPr>
+          <p:cNvPr id="2" name="Title 1">
+            <a:extLst>
+              <a:ext uri="{FF2B5EF4-FFF2-40B4-BE49-F238E27FC236}">
+                <a16:creationId xmlns:a16="http://schemas.microsoft.com/office/drawing/2014/main" id="{CA8A726A-3C61-156B-925F-28EC0F60F626}"/>
+              </a:ext>
+            </a:extLst>
+          </p:cNvPr>
+          <p:cNvSpPr>
+            <a:spLocks noGrp="1"/>
+          </p:cNvSpPr>
+          <p:nvPr>
+            <p:ph type="title"/>
+          </p:nvPr>
+        </p:nvSpPr>
+        <p:spPr/>
+        <p:txBody>
+          <a:bodyPr/>
+          <a:lstStyle/>
+          <a:p>
+            <a:r>
+              <a:rPr lang="en-US" dirty="0"/>
+              <a:t>Web applications</a:t>
+            </a:r>
+          </a:p>
+        </p:txBody>
+      </p:sp>
+      <p:sp>
+        <p:nvSpPr>
+          <p:cNvPr id="3" name="Content Placeholder 2">
+            <a:extLst>
+              <a:ext uri="{FF2B5EF4-FFF2-40B4-BE49-F238E27FC236}">
+                <a16:creationId xmlns:a16="http://schemas.microsoft.com/office/drawing/2014/main" id="{054FAE82-E658-7155-8C5C-85E4CD84FC6E}"/>
+              </a:ext>
+            </a:extLst>
+          </p:cNvPr>
+          <p:cNvSpPr>
+            <a:spLocks noGrp="1"/>
+          </p:cNvSpPr>
+          <p:nvPr>
+            <p:ph idx="1"/>
+          </p:nvPr>
+        </p:nvSpPr>
+        <p:spPr/>
+        <p:txBody>
+          <a:bodyPr/>
+          <a:lstStyle/>
+          <a:p>
+            <a:endParaRPr lang="en-US"/>
+          </a:p>
+        </p:txBody>
+      </p:sp>
+    </p:spTree>
+    <p:extLst>
+      <p:ext uri="{BB962C8B-B14F-4D97-AF65-F5344CB8AC3E}">
+        <p14:creationId xmlns:p14="http://schemas.microsoft.com/office/powerpoint/2010/main" val="2542235107"/>
+      </p:ext>
+    </p:extLst>
+  </p:cSld>
+  <p:clrMapOvr>
+    <a:masterClrMapping/>
+  </p:clrMapOvr>
+</p:sld>
+</file>
+
+<file path=ppt/slides/slide11.xml><?xml version="1.0" encoding="utf-8"?>
+<p:sld xmlns:a="http://schemas.openxmlformats.org/drawingml/2006/main" xmlns:r="http://schemas.openxmlformats.org/officeDocument/2006/relationships" xmlns:p="http://schemas.openxmlformats.org/presentationml/2006/main">
+  <p:cSld>
+    <p:spTree>
+      <p:nvGrpSpPr>
+        <p:cNvPr id="1" name=""/>
+        <p:cNvGrpSpPr/>
+        <p:nvPr/>
+      </p:nvGrpSpPr>
+      <p:grpSpPr>
+        <a:xfrm>
+          <a:off x="0" y="0"/>
+          <a:ext cx="0" cy="0"/>
+          <a:chOff x="0" y="0"/>
+          <a:chExt cx="0" cy="0"/>
+        </a:xfrm>
+      </p:grpSpPr>
+      <p:sp>
+        <p:nvSpPr>
+          <p:cNvPr id="2" name="Title 1">
+            <a:extLst>
+              <a:ext uri="{FF2B5EF4-FFF2-40B4-BE49-F238E27FC236}">
+                <a16:creationId xmlns:a16="http://schemas.microsoft.com/office/drawing/2014/main" id="{24EBB8D7-6F4D-885A-34C6-71D5119FA085}"/>
+              </a:ext>
+            </a:extLst>
+          </p:cNvPr>
+          <p:cNvSpPr>
+            <a:spLocks noGrp="1"/>
+          </p:cNvSpPr>
+          <p:nvPr>
+            <p:ph type="title"/>
+          </p:nvPr>
+        </p:nvSpPr>
+        <p:spPr/>
+        <p:txBody>
+          <a:bodyPr/>
+          <a:lstStyle/>
+          <a:p>
+            <a:r>
+              <a:rPr lang="en-US" dirty="0"/>
+              <a:t>Embedded applications</a:t>
+            </a:r>
+          </a:p>
+        </p:txBody>
+      </p:sp>
+      <p:sp>
+        <p:nvSpPr>
+          <p:cNvPr id="3" name="Content Placeholder 2">
+            <a:extLst>
+              <a:ext uri="{FF2B5EF4-FFF2-40B4-BE49-F238E27FC236}">
+                <a16:creationId xmlns:a16="http://schemas.microsoft.com/office/drawing/2014/main" id="{E684CCC6-4AE2-893F-6744-9C32D43CB7C8}"/>
+              </a:ext>
+            </a:extLst>
+          </p:cNvPr>
+          <p:cNvSpPr>
+            <a:spLocks noGrp="1"/>
+          </p:cNvSpPr>
+          <p:nvPr>
+            <p:ph idx="1"/>
+          </p:nvPr>
+        </p:nvSpPr>
+        <p:spPr/>
+        <p:txBody>
+          <a:bodyPr/>
+          <a:lstStyle/>
+          <a:p>
+            <a:endParaRPr lang="en-US"/>
+          </a:p>
+        </p:txBody>
+      </p:sp>
+    </p:spTree>
+    <p:extLst>
+      <p:ext uri="{BB962C8B-B14F-4D97-AF65-F5344CB8AC3E}">
+        <p14:creationId xmlns:p14="http://schemas.microsoft.com/office/powerpoint/2010/main" val="2670941506"/>
+      </p:ext>
+    </p:extLst>
+  </p:cSld>
+  <p:clrMapOvr>
+    <a:masterClrMapping/>
+  </p:clrMapOvr>
+</p:sld>
+</file>
+
+<file path=ppt/slides/slide12.xml><?xml version="1.0" encoding="utf-8"?>
+<p:sld xmlns:a="http://schemas.openxmlformats.org/drawingml/2006/main" xmlns:r="http://schemas.openxmlformats.org/officeDocument/2006/relationships" xmlns:p="http://schemas.openxmlformats.org/presentationml/2006/main">
+  <p:cSld>
+    <p:spTree>
+      <p:nvGrpSpPr>
+        <p:cNvPr id="1" name=""/>
+        <p:cNvGrpSpPr/>
+        <p:nvPr/>
+      </p:nvGrpSpPr>
+      <p:grpSpPr>
+        <a:xfrm>
+          <a:off x="0" y="0"/>
+          <a:ext cx="0" cy="0"/>
+          <a:chOff x="0" y="0"/>
+          <a:chExt cx="0" cy="0"/>
+        </a:xfrm>
+      </p:grpSpPr>
+      <p:sp>
+        <p:nvSpPr>
+          <p:cNvPr id="2" name="Title 1">
+            <a:extLst>
+              <a:ext uri="{FF2B5EF4-FFF2-40B4-BE49-F238E27FC236}">
+                <a16:creationId xmlns:a16="http://schemas.microsoft.com/office/drawing/2014/main" id="{6B475545-C693-0AB5-D209-67C529BDD4C3}"/>
+              </a:ext>
+            </a:extLst>
+          </p:cNvPr>
+          <p:cNvSpPr>
+            <a:spLocks noGrp="1"/>
+          </p:cNvSpPr>
+          <p:nvPr>
+            <p:ph type="title"/>
+          </p:nvPr>
+        </p:nvSpPr>
+        <p:spPr/>
+        <p:txBody>
+          <a:bodyPr/>
+          <a:lstStyle/>
+          <a:p>
+            <a:r>
+              <a:rPr lang="en-US" dirty="0"/>
+              <a:t>“thin” client vs “thick” client</a:t>
+            </a:r>
+          </a:p>
+        </p:txBody>
+      </p:sp>
+      <p:sp>
+        <p:nvSpPr>
+          <p:cNvPr id="3" name="Content Placeholder 2">
+            <a:extLst>
+              <a:ext uri="{FF2B5EF4-FFF2-40B4-BE49-F238E27FC236}">
+                <a16:creationId xmlns:a16="http://schemas.microsoft.com/office/drawing/2014/main" id="{D77B8B31-97E0-9A7D-D08A-6ACDDF58D20C}"/>
+              </a:ext>
+            </a:extLst>
+          </p:cNvPr>
+          <p:cNvSpPr>
+            <a:spLocks noGrp="1"/>
+          </p:cNvSpPr>
+          <p:nvPr>
+            <p:ph idx="1"/>
+          </p:nvPr>
+        </p:nvSpPr>
+        <p:spPr/>
+        <p:txBody>
+          <a:bodyPr/>
+          <a:lstStyle/>
+          <a:p>
+            <a:endParaRPr lang="en-US" dirty="0"/>
+          </a:p>
+        </p:txBody>
+      </p:sp>
+    </p:spTree>
+    <p:extLst>
+      <p:ext uri="{BB962C8B-B14F-4D97-AF65-F5344CB8AC3E}">
+        <p14:creationId xmlns:p14="http://schemas.microsoft.com/office/powerpoint/2010/main" val="2180029723"/>
+      </p:ext>
+    </p:extLst>
+  </p:cSld>
+  <p:clrMapOvr>
+    <a:masterClrMapping/>
+  </p:clrMapOvr>
+</p:sld>
+</file>
+
+<file path=ppt/slides/slide13.xml><?xml version="1.0" encoding="utf-8"?>
+<p:sld xmlns:a="http://schemas.openxmlformats.org/drawingml/2006/main" xmlns:r="http://schemas.openxmlformats.org/officeDocument/2006/relationships" xmlns:p="http://schemas.openxmlformats.org/presentationml/2006/main">
+  <p:cSld>
+    <p:spTree>
+      <p:nvGrpSpPr>
+        <p:cNvPr id="1" name=""/>
+        <p:cNvGrpSpPr/>
+        <p:nvPr/>
+      </p:nvGrpSpPr>
+      <p:grpSpPr>
+        <a:xfrm>
+          <a:off x="0" y="0"/>
+          <a:ext cx="0" cy="0"/>
+          <a:chOff x="0" y="0"/>
+          <a:chExt cx="0" cy="0"/>
+        </a:xfrm>
+      </p:grpSpPr>
+      <p:sp>
+        <p:nvSpPr>
+          <p:cNvPr id="2" name="Title 1">
+            <a:extLst>
+              <a:ext uri="{FF2B5EF4-FFF2-40B4-BE49-F238E27FC236}">
+                <a16:creationId xmlns:a16="http://schemas.microsoft.com/office/drawing/2014/main" id="{AF44C982-F27D-660F-9E05-18F660F4497D}"/>
+              </a:ext>
+            </a:extLst>
+          </p:cNvPr>
+          <p:cNvSpPr>
+            <a:spLocks noGrp="1"/>
+          </p:cNvSpPr>
+          <p:nvPr>
+            <p:ph type="title"/>
+          </p:nvPr>
+        </p:nvSpPr>
+        <p:spPr/>
+        <p:txBody>
+          <a:bodyPr/>
+          <a:lstStyle/>
+          <a:p>
+            <a:r>
+              <a:rPr lang="en-US" dirty="0"/>
+              <a:t>How do apps access information?</a:t>
+            </a:r>
+          </a:p>
+        </p:txBody>
+      </p:sp>
+      <p:sp>
+        <p:nvSpPr>
+          <p:cNvPr id="3" name="Content Placeholder 2">
+            <a:extLst>
+              <a:ext uri="{FF2B5EF4-FFF2-40B4-BE49-F238E27FC236}">
+                <a16:creationId xmlns:a16="http://schemas.microsoft.com/office/drawing/2014/main" id="{F45E78B9-2B76-C15B-4FAD-019F32833356}"/>
+              </a:ext>
+            </a:extLst>
+          </p:cNvPr>
+          <p:cNvSpPr>
+            <a:spLocks noGrp="1"/>
+          </p:cNvSpPr>
+          <p:nvPr>
+            <p:ph idx="1"/>
+          </p:nvPr>
+        </p:nvSpPr>
+        <p:spPr/>
+        <p:txBody>
+          <a:bodyPr/>
+          <a:lstStyle/>
+          <a:p>
+            <a:endParaRPr lang="en-US"/>
+          </a:p>
+        </p:txBody>
+      </p:sp>
+    </p:spTree>
+    <p:extLst>
+      <p:ext uri="{BB962C8B-B14F-4D97-AF65-F5344CB8AC3E}">
+        <p14:creationId xmlns:p14="http://schemas.microsoft.com/office/powerpoint/2010/main" val="3750042030"/>
+      </p:ext>
+    </p:extLst>
+  </p:cSld>
+  <p:clrMapOvr>
+    <a:masterClrMapping/>
+  </p:clrMapOvr>
+</p:sld>
+</file>
+
+<file path=ppt/slides/slide14.xml><?xml version="1.0" encoding="utf-8"?>
+<p:sld xmlns:a="http://schemas.openxmlformats.org/drawingml/2006/main" xmlns:r="http://schemas.openxmlformats.org/officeDocument/2006/relationships" xmlns:p="http://schemas.openxmlformats.org/presentationml/2006/main">
+  <p:cSld>
+    <p:spTree>
+      <p:nvGrpSpPr>
+        <p:cNvPr id="1" name=""/>
+        <p:cNvGrpSpPr/>
+        <p:nvPr/>
+      </p:nvGrpSpPr>
+      <p:grpSpPr>
+        <a:xfrm>
+          <a:off x="0" y="0"/>
+          <a:ext cx="0" cy="0"/>
+          <a:chOff x="0" y="0"/>
+          <a:chExt cx="0" cy="0"/>
+        </a:xfrm>
+      </p:grpSpPr>
+      <p:sp>
+        <p:nvSpPr>
+          <p:cNvPr id="2" name="Title 1">
+            <a:extLst>
+              <a:ext uri="{FF2B5EF4-FFF2-40B4-BE49-F238E27FC236}">
+                <a16:creationId xmlns:a16="http://schemas.microsoft.com/office/drawing/2014/main" id="{069A3439-69E9-F1FE-B8F7-605B4B8E5545}"/>
+              </a:ext>
+            </a:extLst>
+          </p:cNvPr>
+          <p:cNvSpPr>
+            <a:spLocks noGrp="1"/>
+          </p:cNvSpPr>
+          <p:nvPr>
+            <p:ph type="title"/>
+          </p:nvPr>
+        </p:nvSpPr>
+        <p:spPr/>
+        <p:txBody>
+          <a:bodyPr/>
+          <a:lstStyle/>
+          <a:p>
+            <a:r>
+              <a:rPr lang="en-US" dirty="0"/>
+              <a:t>APIs</a:t>
+            </a:r>
+          </a:p>
+        </p:txBody>
+      </p:sp>
+      <p:sp>
+        <p:nvSpPr>
+          <p:cNvPr id="3" name="Content Placeholder 2">
+            <a:extLst>
+              <a:ext uri="{FF2B5EF4-FFF2-40B4-BE49-F238E27FC236}">
+                <a16:creationId xmlns:a16="http://schemas.microsoft.com/office/drawing/2014/main" id="{6DE9F48A-4055-A9BC-D003-61325B422A56}"/>
+              </a:ext>
+            </a:extLst>
+          </p:cNvPr>
+          <p:cNvSpPr>
+            <a:spLocks noGrp="1"/>
+          </p:cNvSpPr>
+          <p:nvPr>
+            <p:ph idx="1"/>
+          </p:nvPr>
+        </p:nvSpPr>
+        <p:spPr/>
+        <p:txBody>
+          <a:bodyPr/>
+          <a:lstStyle/>
+          <a:p>
+            <a:r>
+              <a:rPr lang="en-US" dirty="0"/>
+              <a:t>What do they do for applications?</a:t>
+            </a:r>
+          </a:p>
+          <a:p>
+            <a:r>
+              <a:rPr lang="en-US" dirty="0"/>
+              <a:t>How do they work?</a:t>
+            </a:r>
+          </a:p>
+        </p:txBody>
+      </p:sp>
+    </p:spTree>
+    <p:extLst>
+      <p:ext uri="{BB962C8B-B14F-4D97-AF65-F5344CB8AC3E}">
+        <p14:creationId xmlns:p14="http://schemas.microsoft.com/office/powerpoint/2010/main" val="3873076881"/>
+      </p:ext>
+    </p:extLst>
+  </p:cSld>
+  <p:clrMapOvr>
+    <a:masterClrMapping/>
+  </p:clrMapOvr>
+</p:sld>
+</file>
+
+<file path=ppt/slides/slide15.xml><?xml version="1.0" encoding="utf-8"?>
+<p:sld xmlns:a="http://schemas.openxmlformats.org/drawingml/2006/main" xmlns:r="http://schemas.openxmlformats.org/officeDocument/2006/relationships" xmlns:p="http://schemas.openxmlformats.org/presentationml/2006/main">
+  <p:cSld>
+    <p:spTree>
+      <p:nvGrpSpPr>
+        <p:cNvPr id="1" name=""/>
+        <p:cNvGrpSpPr/>
+        <p:nvPr/>
+      </p:nvGrpSpPr>
+      <p:grpSpPr>
+        <a:xfrm>
+          <a:off x="0" y="0"/>
+          <a:ext cx="0" cy="0"/>
+          <a:chOff x="0" y="0"/>
+          <a:chExt cx="0" cy="0"/>
+        </a:xfrm>
+      </p:grpSpPr>
+      <p:sp>
+        <p:nvSpPr>
+          <p:cNvPr id="2" name="Title 1">
+            <a:extLst>
+              <a:ext uri="{FF2B5EF4-FFF2-40B4-BE49-F238E27FC236}">
+                <a16:creationId xmlns:a16="http://schemas.microsoft.com/office/drawing/2014/main" id="{C6F90D2F-E7E9-3DEE-081A-96A04D9190F8}"/>
+              </a:ext>
+            </a:extLst>
+          </p:cNvPr>
+          <p:cNvSpPr>
+            <a:spLocks noGrp="1"/>
+          </p:cNvSpPr>
+          <p:nvPr>
+            <p:ph type="title"/>
+          </p:nvPr>
+        </p:nvSpPr>
+        <p:spPr/>
+        <p:txBody>
+          <a:bodyPr/>
+          <a:lstStyle/>
+          <a:p>
+            <a:r>
+              <a:rPr lang="en-US" dirty="0"/>
+              <a:t>10 minute break</a:t>
+            </a:r>
+          </a:p>
+        </p:txBody>
+      </p:sp>
+    </p:spTree>
+    <p:extLst>
+      <p:ext uri="{BB962C8B-B14F-4D97-AF65-F5344CB8AC3E}">
+        <p14:creationId xmlns:p14="http://schemas.microsoft.com/office/powerpoint/2010/main" val="308818034"/>
+      </p:ext>
+    </p:extLst>
+  </p:cSld>
+  <p:clrMapOvr>
+    <a:masterClrMapping/>
+  </p:clrMapOvr>
+</p:sld>
+</file>
+
+<file path=ppt/slides/slide16.xml><?xml version="1.0" encoding="utf-8"?>
+<p:sld xmlns:a="http://schemas.openxmlformats.org/drawingml/2006/main" xmlns:r="http://schemas.openxmlformats.org/officeDocument/2006/relationships" xmlns:p="http://schemas.openxmlformats.org/presentationml/2006/main">
+  <p:cSld>
+    <p:spTree>
+      <p:nvGrpSpPr>
+        <p:cNvPr id="1" name=""/>
+        <p:cNvGrpSpPr/>
+        <p:nvPr/>
+      </p:nvGrpSpPr>
+      <p:grpSpPr>
+        <a:xfrm>
+          <a:off x="0" y="0"/>
+          <a:ext cx="0" cy="0"/>
+          <a:chOff x="0" y="0"/>
+          <a:chExt cx="0" cy="0"/>
+        </a:xfrm>
+      </p:grpSpPr>
+      <p:sp>
+        <p:nvSpPr>
+          <p:cNvPr id="2" name="Title 1">
+            <a:extLst>
+              <a:ext uri="{FF2B5EF4-FFF2-40B4-BE49-F238E27FC236}">
+                <a16:creationId xmlns:a16="http://schemas.microsoft.com/office/drawing/2014/main" id="{2FD098B1-0412-424E-49DE-3F80E7AA8349}"/>
+              </a:ext>
+            </a:extLst>
+          </p:cNvPr>
+          <p:cNvSpPr>
+            <a:spLocks noGrp="1"/>
+          </p:cNvSpPr>
+          <p:nvPr>
+            <p:ph type="title"/>
+          </p:nvPr>
+        </p:nvSpPr>
+        <p:spPr/>
+        <p:txBody>
+          <a:bodyPr>
+            <a:normAutofit/>
+          </a:bodyPr>
+          <a:lstStyle/>
+          <a:p>
+            <a:r>
+              <a:rPr lang="en-US" dirty="0"/>
+              <a:t>The software development life cycle</a:t>
+            </a:r>
+          </a:p>
+        </p:txBody>
+      </p:sp>
+      <p:sp>
+        <p:nvSpPr>
+          <p:cNvPr id="3" name="Text Placeholder 2">
+            <a:extLst>
+              <a:ext uri="{FF2B5EF4-FFF2-40B4-BE49-F238E27FC236}">
+                <a16:creationId xmlns:a16="http://schemas.microsoft.com/office/drawing/2014/main" id="{9E791FFB-9F3B-75BA-D539-11E5BAB941EF}"/>
+              </a:ext>
+            </a:extLst>
+          </p:cNvPr>
+          <p:cNvSpPr>
+            <a:spLocks noGrp="1"/>
+          </p:cNvSpPr>
+          <p:nvPr>
+            <p:ph type="body" idx="1"/>
+          </p:nvPr>
+        </p:nvSpPr>
+        <p:spPr/>
+        <p:txBody>
+          <a:bodyPr/>
+          <a:lstStyle/>
+          <a:p>
+            <a:endParaRPr lang="en-US"/>
+          </a:p>
+        </p:txBody>
+      </p:sp>
+    </p:spTree>
+    <p:extLst>
+      <p:ext uri="{BB962C8B-B14F-4D97-AF65-F5344CB8AC3E}">
+        <p14:creationId xmlns:p14="http://schemas.microsoft.com/office/powerpoint/2010/main" val="3076984293"/>
+      </p:ext>
+    </p:extLst>
+  </p:cSld>
+  <p:clrMapOvr>
+    <a:masterClrMapping/>
+  </p:clrMapOvr>
+</p:sld>
+</file>
+
+<file path=ppt/slides/slide17.xml><?xml version="1.0" encoding="utf-8"?>
+<p:sld xmlns:a="http://schemas.openxmlformats.org/drawingml/2006/main" xmlns:r="http://schemas.openxmlformats.org/officeDocument/2006/relationships" xmlns:p="http://schemas.openxmlformats.org/presentationml/2006/main">
+  <p:cSld>
+    <p:spTree>
+      <p:nvGrpSpPr>
+        <p:cNvPr id="1" name=""/>
+        <p:cNvGrpSpPr/>
+        <p:nvPr/>
+      </p:nvGrpSpPr>
+      <p:grpSpPr>
+        <a:xfrm>
+          <a:off x="0" y="0"/>
+          <a:ext cx="0" cy="0"/>
+          <a:chOff x="0" y="0"/>
+          <a:chExt cx="0" cy="0"/>
+        </a:xfrm>
+      </p:grpSpPr>
+      <p:sp>
+        <p:nvSpPr>
+          <p:cNvPr id="2" name="Title 1">
+            <a:extLst>
+              <a:ext uri="{FF2B5EF4-FFF2-40B4-BE49-F238E27FC236}">
+                <a16:creationId xmlns:a16="http://schemas.microsoft.com/office/drawing/2014/main" id="{047B3247-CD57-A68D-86CB-226AD9D932CC}"/>
+              </a:ext>
+            </a:extLst>
+          </p:cNvPr>
+          <p:cNvSpPr>
+            <a:spLocks noGrp="1"/>
+          </p:cNvSpPr>
+          <p:nvPr>
+            <p:ph type="title"/>
+          </p:nvPr>
+        </p:nvSpPr>
+        <p:spPr/>
+        <p:txBody>
+          <a:bodyPr/>
+          <a:lstStyle/>
+          <a:p>
+            <a:r>
+              <a:rPr lang="en-US" dirty="0"/>
+              <a:t>What is the Software Development Life Cycle?</a:t>
+            </a:r>
+          </a:p>
+        </p:txBody>
+      </p:sp>
+      <p:sp>
+        <p:nvSpPr>
+          <p:cNvPr id="3" name="Content Placeholder 2">
+            <a:extLst>
+              <a:ext uri="{FF2B5EF4-FFF2-40B4-BE49-F238E27FC236}">
+                <a16:creationId xmlns:a16="http://schemas.microsoft.com/office/drawing/2014/main" id="{940F9860-AD79-8C22-AF4B-170D69ACC5C7}"/>
+              </a:ext>
+            </a:extLst>
+          </p:cNvPr>
+          <p:cNvSpPr>
+            <a:spLocks noGrp="1"/>
+          </p:cNvSpPr>
+          <p:nvPr>
+            <p:ph idx="1"/>
+          </p:nvPr>
+        </p:nvSpPr>
+        <p:spPr/>
+        <p:txBody>
+          <a:bodyPr/>
+          <a:lstStyle/>
+          <a:p>
+            <a:r>
+              <a:rPr lang="en-US" dirty="0"/>
+              <a:t>The SDLC helps us organize the process of building software</a:t>
+            </a:r>
+          </a:p>
+          <a:p>
+            <a:r>
+              <a:rPr lang="en-US" dirty="0"/>
+              <a:t>Includes steps for building, revising, and deploying software</a:t>
+            </a:r>
+          </a:p>
+          <a:p>
+            <a:r>
+              <a:rPr lang="en-US" dirty="0"/>
+              <a:t>Includes roles associated with each step along the building process</a:t>
+            </a:r>
+          </a:p>
+        </p:txBody>
+      </p:sp>
+    </p:spTree>
+    <p:extLst>
+      <p:ext uri="{BB962C8B-B14F-4D97-AF65-F5344CB8AC3E}">
+        <p14:creationId xmlns:p14="http://schemas.microsoft.com/office/powerpoint/2010/main" val="2158119916"/>
+      </p:ext>
+    </p:extLst>
+  </p:cSld>
+  <p:clrMapOvr>
+    <a:masterClrMapping/>
+  </p:clrMapOvr>
+</p:sld>
+</file>
+
+<file path=ppt/slides/slide18.xml><?xml version="1.0" encoding="utf-8"?>
+<p:sld xmlns:a="http://schemas.openxmlformats.org/drawingml/2006/main" xmlns:r="http://schemas.openxmlformats.org/officeDocument/2006/relationships" xmlns:p="http://schemas.openxmlformats.org/presentationml/2006/main">
+  <p:cSld>
+    <p:bg>
+      <p:bgPr>
+        <a:solidFill>
+          <a:schemeClr val="bg1"/>
+        </a:solidFill>
+        <a:effectLst/>
+      </p:bgPr>
+    </p:bg>
+    <p:spTree>
+      <p:nvGrpSpPr>
+        <p:cNvPr id="1" name=""/>
+        <p:cNvGrpSpPr/>
+        <p:nvPr/>
+      </p:nvGrpSpPr>
+      <p:grpSpPr>
+        <a:xfrm>
+          <a:off x="0" y="0"/>
+          <a:ext cx="0" cy="0"/>
+          <a:chOff x="0" y="0"/>
+          <a:chExt cx="0" cy="0"/>
+        </a:xfrm>
+      </p:grpSpPr>
+      <p:pic>
+        <p:nvPicPr>
+          <p:cNvPr id="5" name="Picture 4" descr="Diagram&#10;&#10;Description automatically generated">
+            <a:extLst>
+              <a:ext uri="{FF2B5EF4-FFF2-40B4-BE49-F238E27FC236}">
+                <a16:creationId xmlns:a16="http://schemas.microsoft.com/office/drawing/2014/main" id="{F3984BEE-FE8D-EB37-FE61-BB680A777FD7}"/>
+              </a:ext>
+            </a:extLst>
+          </p:cNvPr>
+          <p:cNvPicPr>
+            <a:picLocks noChangeAspect="1"/>
+          </p:cNvPicPr>
+          <p:nvPr/>
+        </p:nvPicPr>
+        <p:blipFill rotWithShape="1">
+          <a:blip r:embed="rId3"/>
+          <a:srcRect l="8206" r="5127" b="-1"/>
+          <a:stretch/>
+        </p:blipFill>
+        <p:spPr>
+          <a:xfrm>
+            <a:off x="20" y="10"/>
+            <a:ext cx="12191980" cy="6857990"/>
+          </a:xfrm>
+          <a:prstGeom prst="rect">
+            <a:avLst/>
+          </a:prstGeom>
+        </p:spPr>
+      </p:pic>
+    </p:spTree>
+    <p:extLst>
+      <p:ext uri="{BB962C8B-B14F-4D97-AF65-F5344CB8AC3E}">
+        <p14:creationId xmlns:p14="http://schemas.microsoft.com/office/powerpoint/2010/main" val="3028504148"/>
+      </p:ext>
+    </p:extLst>
+  </p:cSld>
+  <p:clrMapOvr>
+    <a:overrideClrMapping bg1="dk1" tx1="lt1" bg2="dk2" tx2="lt2" accent1="accent1" accent2="accent2" accent3="accent3" accent4="accent4" accent5="accent5" accent6="accent6" hlink="hlink" folHlink="folHlink"/>
   </p:clrMapOvr>
 </p:sld>
 </file>
@@ -4429,7 +5356,7 @@
           <p:cNvPr id="2" name="Title 1">
             <a:extLst>
               <a:ext uri="{FF2B5EF4-FFF2-40B4-BE49-F238E27FC236}">
-                <a16:creationId xmlns:a16="http://schemas.microsoft.com/office/drawing/2014/main" id="{6B475545-C693-0AB5-D209-67C529BDD4C3}"/>
+                <a16:creationId xmlns:a16="http://schemas.microsoft.com/office/drawing/2014/main" id="{CC838EF9-5C7E-1FBD-A4E0-9221242DD4EC}"/>
               </a:ext>
             </a:extLst>
           </p:cNvPr>
@@ -4447,7 +5374,7 @@
           <a:p>
             <a:r>
               <a:rPr lang="en-US" dirty="0"/>
-              <a:t>“thin” client vs “thick” client</a:t>
+              <a:t>Mobile Applications</a:t>
             </a:r>
           </a:p>
         </p:txBody>
@@ -4457,7 +5384,7 @@
           <p:cNvPr id="3" name="Content Placeholder 2">
             <a:extLst>
               <a:ext uri="{FF2B5EF4-FFF2-40B4-BE49-F238E27FC236}">
-                <a16:creationId xmlns:a16="http://schemas.microsoft.com/office/drawing/2014/main" id="{D77B8B31-97E0-9A7D-D08A-6ACDDF58D20C}"/>
+                <a16:creationId xmlns:a16="http://schemas.microsoft.com/office/drawing/2014/main" id="{F995DC66-7BDE-4A1D-36D2-035391A4A3D5}"/>
               </a:ext>
             </a:extLst>
           </p:cNvPr>
@@ -4473,14 +5400,97 @@
           <a:bodyPr/>
           <a:lstStyle/>
           <a:p>
-            <a:endParaRPr lang="en-US" dirty="0"/>
+            <a:endParaRPr lang="en-US"/>
           </a:p>
         </p:txBody>
       </p:sp>
     </p:spTree>
     <p:extLst>
       <p:ext uri="{BB962C8B-B14F-4D97-AF65-F5344CB8AC3E}">
-        <p14:creationId xmlns:p14="http://schemas.microsoft.com/office/powerpoint/2010/main" val="2180029723"/>
+        <p14:creationId xmlns:p14="http://schemas.microsoft.com/office/powerpoint/2010/main" val="2134838018"/>
+      </p:ext>
+    </p:extLst>
+  </p:cSld>
+  <p:clrMapOvr>
+    <a:masterClrMapping/>
+  </p:clrMapOvr>
+</p:sld>
+</file>
+
+<file path=ppt/slides/slide9.xml><?xml version="1.0" encoding="utf-8"?>
+<p:sld xmlns:a="http://schemas.openxmlformats.org/drawingml/2006/main" xmlns:r="http://schemas.openxmlformats.org/officeDocument/2006/relationships" xmlns:p="http://schemas.openxmlformats.org/presentationml/2006/main">
+  <p:cSld>
+    <p:spTree>
+      <p:nvGrpSpPr>
+        <p:cNvPr id="1" name=""/>
+        <p:cNvGrpSpPr/>
+        <p:nvPr/>
+      </p:nvGrpSpPr>
+      <p:grpSpPr>
+        <a:xfrm>
+          <a:off x="0" y="0"/>
+          <a:ext cx="0" cy="0"/>
+          <a:chOff x="0" y="0"/>
+          <a:chExt cx="0" cy="0"/>
+        </a:xfrm>
+      </p:grpSpPr>
+      <p:sp>
+        <p:nvSpPr>
+          <p:cNvPr id="2" name="Title 1">
+            <a:extLst>
+              <a:ext uri="{FF2B5EF4-FFF2-40B4-BE49-F238E27FC236}">
+                <a16:creationId xmlns:a16="http://schemas.microsoft.com/office/drawing/2014/main" id="{F1810807-F24A-FA17-A955-4905A6010039}"/>
+              </a:ext>
+            </a:extLst>
+          </p:cNvPr>
+          <p:cNvSpPr>
+            <a:spLocks noGrp="1"/>
+          </p:cNvSpPr>
+          <p:nvPr>
+            <p:ph type="title"/>
+          </p:nvPr>
+        </p:nvSpPr>
+        <p:spPr/>
+        <p:txBody>
+          <a:bodyPr/>
+          <a:lstStyle/>
+          <a:p>
+            <a:r>
+              <a:rPr lang="en-US" dirty="0"/>
+              <a:t>Desktop applications</a:t>
+            </a:r>
+          </a:p>
+        </p:txBody>
+      </p:sp>
+      <p:sp>
+        <p:nvSpPr>
+          <p:cNvPr id="3" name="Content Placeholder 2">
+            <a:extLst>
+              <a:ext uri="{FF2B5EF4-FFF2-40B4-BE49-F238E27FC236}">
+                <a16:creationId xmlns:a16="http://schemas.microsoft.com/office/drawing/2014/main" id="{9643F112-8849-91E6-EB69-BED1D39278B9}"/>
+              </a:ext>
+            </a:extLst>
+          </p:cNvPr>
+          <p:cNvSpPr>
+            <a:spLocks noGrp="1"/>
+          </p:cNvSpPr>
+          <p:nvPr>
+            <p:ph idx="1"/>
+          </p:nvPr>
+        </p:nvSpPr>
+        <p:spPr/>
+        <p:txBody>
+          <a:bodyPr/>
+          <a:lstStyle/>
+          <a:p>
+            <a:endParaRPr lang="en-US"/>
+          </a:p>
+        </p:txBody>
+      </p:sp>
+    </p:spTree>
+    <p:extLst>
+      <p:ext uri="{BB962C8B-B14F-4D97-AF65-F5344CB8AC3E}">
+        <p14:creationId xmlns:p14="http://schemas.microsoft.com/office/powerpoint/2010/main" val="574519622"/>
       </p:ext>
     </p:extLst>
   </p:cSld>
